--- a/WWW/lectures/Lecture23/Lecture23.pptx
+++ b/WWW/lectures/Lecture23/Lecture23.pptx
@@ -352,7 +352,7 @@
           <a:p>
             <a:fld id="{CB7EA64F-48CA-6044-9303-A15754386620}" type="datetimeFigureOut">
               <a:rPr lang="en-US" smtClean="0"/>
-              <a:t>8/6/17</a:t>
+              <a:t>8/8/17</a:t>
             </a:fld>
             <a:endParaRPr lang="en-US"/>
           </a:p>
@@ -4005,14 +4005,30 @@
           <a:p>
             <a:r>
               <a:rPr lang="en-US" dirty="0" smtClean="0"/>
-              <a:t>CS 106A, Lecture 22</a:t>
+              <a:t>CS 106A, </a:t>
+            </a:r>
+            <a:r>
+              <a:rPr lang="en-US" smtClean="0"/>
+              <a:t>Lecture </a:t>
+            </a:r>
+            <a:r>
+              <a:rPr lang="en-US" smtClean="0"/>
+              <a:t>23</a:t>
+            </a:r>
+            <a:r>
+              <a:rPr lang="en-US" smtClean="0"/>
+              <a:t/>
             </a:r>
             <a:br>
+              <a:rPr lang="en-US" smtClean="0"/>
+            </a:br>
+            <a:r>
+              <a:rPr lang="en-US" dirty="0" err="1" smtClean="0"/>
+              <a:t>GCanvas</a:t>
+            </a:r>
+            <a:r>
               <a:rPr lang="en-US" dirty="0" smtClean="0"/>
-            </a:br>
-            <a:r>
-              <a:rPr lang="en-US" dirty="0" smtClean="0"/>
-              <a:t>Interactors</a:t>
+              <a:t> and Interactors</a:t>
             </a:r>
             <a:endParaRPr lang="en-US" dirty="0"/>
           </a:p>
@@ -4075,11 +4091,7 @@
           <a:p>
             <a:r>
               <a:rPr lang="en-US" altLang="x-none" sz="1500" i="1" dirty="0" smtClean="0"/>
-              <a:t>Java Ch. </a:t>
-            </a:r>
-            <a:r>
-              <a:rPr lang="en-US" altLang="x-none" sz="1500" i="1" dirty="0" smtClean="0"/>
-              <a:t>10.5-10.6</a:t>
+              <a:t>Java Ch. 10.5-10.6</a:t>
             </a:r>
             <a:endParaRPr lang="en-US" altLang="x-none" sz="1500" i="1" dirty="0"/>
           </a:p>
@@ -5434,21 +5446,8 @@
                 <a:ea typeface="Consolas" charset="0"/>
                 <a:cs typeface="Consolas" charset="0"/>
               </a:rPr>
-              <a:t>		// </a:t>
-            </a:r>
-            <a:r>
-              <a:rPr lang="en-US" b="1" dirty="0" smtClean="0">
-                <a:latin typeface="Consolas" charset="0"/>
-                <a:ea typeface="Consolas" charset="0"/>
-                <a:cs typeface="Consolas" charset="0"/>
-              </a:rPr>
-              <a:t>Operate on this canvas</a:t>
-            </a:r>
-            <a:endParaRPr lang="en-US" b="1" dirty="0" smtClean="0">
-              <a:latin typeface="Consolas" charset="0"/>
-              <a:ea typeface="Consolas" charset="0"/>
-              <a:cs typeface="Consolas" charset="0"/>
-            </a:endParaRPr>
+              <a:t>		// Operate on this canvas</a:t>
+            </a:r>
           </a:p>
           <a:p>
             <a:pPr marL="0" indent="0">
@@ -8752,8 +8751,10 @@
                   </a:schemeClr>
                 </a:solidFill>
               </a:rPr>
-              <a:t>Recap: </a:t>
-            </a:r>
+              <a:t>Recap: Inheritance</a:t>
+            </a:r>
+          </a:p>
+          <a:p>
             <a:r>
               <a:rPr lang="en-US" sz="3600" dirty="0" smtClean="0">
                 <a:solidFill>
@@ -8762,7 +8763,17 @@
                   </a:schemeClr>
                 </a:solidFill>
               </a:rPr>
-              <a:t>Inheritance</a:t>
+              <a:t>Extending </a:t>
+            </a:r>
+            <a:r>
+              <a:rPr lang="en-US" sz="3600" dirty="0" err="1" smtClean="0">
+                <a:solidFill>
+                  <a:schemeClr val="bg1">
+                    <a:lumMod val="75000"/>
+                  </a:schemeClr>
+                </a:solidFill>
+              </a:rPr>
+              <a:t>GCanvas</a:t>
             </a:r>
             <a:endParaRPr lang="en-US" sz="3600" dirty="0" smtClean="0">
               <a:solidFill>
@@ -8774,35 +8785,6 @@
           </a:p>
           <a:p>
             <a:r>
-              <a:rPr lang="en-US" sz="3600" dirty="0" smtClean="0">
-                <a:solidFill>
-                  <a:schemeClr val="bg1">
-                    <a:lumMod val="75000"/>
-                  </a:schemeClr>
-                </a:solidFill>
-              </a:rPr>
-              <a:t>Extending </a:t>
-            </a:r>
-            <a:r>
-              <a:rPr lang="en-US" sz="3600" dirty="0" err="1" smtClean="0">
-                <a:solidFill>
-                  <a:schemeClr val="bg1">
-                    <a:lumMod val="75000"/>
-                  </a:schemeClr>
-                </a:solidFill>
-              </a:rPr>
-              <a:t>GCanvas</a:t>
-            </a:r>
-            <a:endParaRPr lang="en-US" sz="3600" dirty="0" smtClean="0">
-              <a:solidFill>
-                <a:schemeClr val="bg1">
-                  <a:lumMod val="75000"/>
-                </a:schemeClr>
-              </a:solidFill>
-            </a:endParaRPr>
-          </a:p>
-          <a:p>
-            <a:r>
               <a:rPr lang="en-US" sz="3600" i="1" dirty="0" smtClean="0"/>
               <a:t>Example</a:t>
             </a:r>
@@ -8810,7 +8792,6 @@
               <a:rPr lang="en-US" sz="3600" dirty="0" smtClean="0"/>
               <a:t>: Aquarium</a:t>
             </a:r>
-            <a:endParaRPr lang="en-US" sz="3600" dirty="0" smtClean="0"/>
           </a:p>
           <a:p>
             <a:r>
@@ -9000,13 +8981,8 @@
           <a:p>
             <a:r>
               <a:rPr lang="en-US" sz="3600" dirty="0" smtClean="0"/>
-              <a:t>Recap: </a:t>
-            </a:r>
-            <a:r>
-              <a:rPr lang="en-US" sz="3600" dirty="0" smtClean="0"/>
-              <a:t>Inheritance</a:t>
-            </a:r>
-            <a:endParaRPr lang="en-US" sz="3600" dirty="0" smtClean="0"/>
+              <a:t>Recap: Inheritance</a:t>
+            </a:r>
           </a:p>
           <a:p>
             <a:r>
@@ -9028,7 +9004,6 @@
               <a:rPr lang="en-US" sz="3600" dirty="0" smtClean="0"/>
               <a:t>: Aquarium</a:t>
             </a:r>
-            <a:endParaRPr lang="en-US" sz="3600" dirty="0" smtClean="0"/>
           </a:p>
           <a:p>
             <a:r>
@@ -9299,8 +9274,10 @@
                   </a:schemeClr>
                 </a:solidFill>
               </a:rPr>
-              <a:t>Recap: </a:t>
-            </a:r>
+              <a:t>Recap: Inheritance</a:t>
+            </a:r>
+          </a:p>
+          <a:p>
             <a:r>
               <a:rPr lang="en-US" sz="3600" dirty="0" smtClean="0">
                 <a:solidFill>
@@ -9309,7 +9286,17 @@
                   </a:schemeClr>
                 </a:solidFill>
               </a:rPr>
-              <a:t>Inheritance</a:t>
+              <a:t>Extending </a:t>
+            </a:r>
+            <a:r>
+              <a:rPr lang="en-US" sz="3600" dirty="0" err="1" smtClean="0">
+                <a:solidFill>
+                  <a:schemeClr val="bg1">
+                    <a:lumMod val="75000"/>
+                  </a:schemeClr>
+                </a:solidFill>
+              </a:rPr>
+              <a:t>GCanvas</a:t>
             </a:r>
             <a:endParaRPr lang="en-US" sz="3600" dirty="0" smtClean="0">
               <a:solidFill>
@@ -9321,61 +9308,25 @@
           </a:p>
           <a:p>
             <a:r>
-              <a:rPr lang="en-US" sz="3600" dirty="0" smtClean="0">
+              <a:rPr lang="en-US" sz="3600" i="1" dirty="0" smtClean="0">
                 <a:solidFill>
                   <a:schemeClr val="bg1">
                     <a:lumMod val="75000"/>
                   </a:schemeClr>
                 </a:solidFill>
               </a:rPr>
-              <a:t>Extending </a:t>
-            </a:r>
-            <a:r>
-              <a:rPr lang="en-US" sz="3600" dirty="0" err="1" smtClean="0">
+              <a:t>Example</a:t>
+            </a:r>
+            <a:r>
+              <a:rPr lang="en-US" sz="3600" dirty="0" smtClean="0">
                 <a:solidFill>
                   <a:schemeClr val="bg1">
                     <a:lumMod val="75000"/>
                   </a:schemeClr>
                 </a:solidFill>
               </a:rPr>
-              <a:t>GCanvas</a:t>
-            </a:r>
-            <a:endParaRPr lang="en-US" sz="3600" dirty="0" smtClean="0">
-              <a:solidFill>
-                <a:schemeClr val="bg1">
-                  <a:lumMod val="75000"/>
-                </a:schemeClr>
-              </a:solidFill>
-            </a:endParaRPr>
-          </a:p>
-          <a:p>
-            <a:r>
-              <a:rPr lang="en-US" sz="3600" i="1" dirty="0" smtClean="0">
-                <a:solidFill>
-                  <a:schemeClr val="bg1">
-                    <a:lumMod val="75000"/>
-                  </a:schemeClr>
-                </a:solidFill>
-              </a:rPr>
-              <a:t>Example</a:t>
-            </a:r>
-            <a:r>
-              <a:rPr lang="en-US" sz="3600" dirty="0" smtClean="0">
-                <a:solidFill>
-                  <a:schemeClr val="bg1">
-                    <a:lumMod val="75000"/>
-                  </a:schemeClr>
-                </a:solidFill>
-              </a:rPr>
               <a:t>: Aquarium</a:t>
             </a:r>
-            <a:endParaRPr lang="en-US" sz="3600" dirty="0" smtClean="0">
-              <a:solidFill>
-                <a:schemeClr val="bg1">
-                  <a:lumMod val="75000"/>
-                </a:schemeClr>
-              </a:solidFill>
-            </a:endParaRPr>
           </a:p>
           <a:p>
             <a:r>
@@ -11074,8 +11025,10 @@
                   </a:schemeClr>
                 </a:solidFill>
               </a:rPr>
-              <a:t>Recap: </a:t>
-            </a:r>
+              <a:t>Recap: Inheritance</a:t>
+            </a:r>
+          </a:p>
+          <a:p>
             <a:r>
               <a:rPr lang="en-US" sz="3600" dirty="0" smtClean="0">
                 <a:solidFill>
@@ -11084,7 +11037,17 @@
                   </a:schemeClr>
                 </a:solidFill>
               </a:rPr>
-              <a:t>Inheritance</a:t>
+              <a:t>Extending </a:t>
+            </a:r>
+            <a:r>
+              <a:rPr lang="en-US" sz="3600" dirty="0" err="1" smtClean="0">
+                <a:solidFill>
+                  <a:schemeClr val="bg1">
+                    <a:lumMod val="75000"/>
+                  </a:schemeClr>
+                </a:solidFill>
+              </a:rPr>
+              <a:t>GCanvas</a:t>
             </a:r>
             <a:endParaRPr lang="en-US" sz="3600" dirty="0" smtClean="0">
               <a:solidFill>
@@ -11096,61 +11059,25 @@
           </a:p>
           <a:p>
             <a:r>
-              <a:rPr lang="en-US" sz="3600" dirty="0" smtClean="0">
+              <a:rPr lang="en-US" sz="3600" i="1" dirty="0" smtClean="0">
                 <a:solidFill>
                   <a:schemeClr val="bg1">
                     <a:lumMod val="75000"/>
                   </a:schemeClr>
                 </a:solidFill>
               </a:rPr>
-              <a:t>Extending </a:t>
-            </a:r>
-            <a:r>
-              <a:rPr lang="en-US" sz="3600" dirty="0" err="1" smtClean="0">
+              <a:t>Example</a:t>
+            </a:r>
+            <a:r>
+              <a:rPr lang="en-US" sz="3600" dirty="0" smtClean="0">
                 <a:solidFill>
                   <a:schemeClr val="bg1">
                     <a:lumMod val="75000"/>
                   </a:schemeClr>
                 </a:solidFill>
               </a:rPr>
-              <a:t>GCanvas</a:t>
-            </a:r>
-            <a:endParaRPr lang="en-US" sz="3600" dirty="0" smtClean="0">
-              <a:solidFill>
-                <a:schemeClr val="bg1">
-                  <a:lumMod val="75000"/>
-                </a:schemeClr>
-              </a:solidFill>
-            </a:endParaRPr>
-          </a:p>
-          <a:p>
-            <a:r>
-              <a:rPr lang="en-US" sz="3600" i="1" dirty="0" smtClean="0">
-                <a:solidFill>
-                  <a:schemeClr val="bg1">
-                    <a:lumMod val="75000"/>
-                  </a:schemeClr>
-                </a:solidFill>
-              </a:rPr>
-              <a:t>Example</a:t>
-            </a:r>
-            <a:r>
-              <a:rPr lang="en-US" sz="3600" dirty="0" smtClean="0">
-                <a:solidFill>
-                  <a:schemeClr val="bg1">
-                    <a:lumMod val="75000"/>
-                  </a:schemeClr>
-                </a:solidFill>
-              </a:rPr>
               <a:t>: Aquarium</a:t>
             </a:r>
-            <a:endParaRPr lang="en-US" sz="3600" dirty="0" smtClean="0">
-              <a:solidFill>
-                <a:schemeClr val="bg1">
-                  <a:lumMod val="75000"/>
-                </a:schemeClr>
-              </a:solidFill>
-            </a:endParaRPr>
           </a:p>
           <a:p>
             <a:r>
@@ -13254,13 +13181,8 @@
           <a:p>
             <a:r>
               <a:rPr lang="en-US" sz="3600" dirty="0" smtClean="0"/>
-              <a:t>Recap: </a:t>
-            </a:r>
-            <a:r>
-              <a:rPr lang="en-US" sz="3600" dirty="0" smtClean="0"/>
-              <a:t>Inheritance</a:t>
-            </a:r>
-            <a:endParaRPr lang="en-US" sz="3600" dirty="0" smtClean="0"/>
+              <a:t>Recap: Inheritance</a:t>
+            </a:r>
           </a:p>
           <a:p>
             <a:r>
@@ -13312,13 +13234,6 @@
               </a:rPr>
               <a:t>: Aquarium</a:t>
             </a:r>
-            <a:endParaRPr lang="en-US" sz="3600" dirty="0" smtClean="0">
-              <a:solidFill>
-                <a:schemeClr val="bg1">
-                  <a:lumMod val="75000"/>
-                </a:schemeClr>
-              </a:solidFill>
-            </a:endParaRPr>
           </a:p>
           <a:p>
             <a:r>
@@ -14383,7 +14298,7 @@
         </p:nvGraphicFramePr>
         <p:xfrm>
           <a:off x="533400" y="2744788"/>
-          <a:ext cx="8077200" cy="1379220"/>
+          <a:ext cx="8077200" cy="1371600"/>
         </p:xfrm>
         <a:graphic>
           <a:graphicData uri="http://schemas.openxmlformats.org/drawingml/2006/table">
@@ -24070,8 +23985,10 @@
                   </a:schemeClr>
                 </a:solidFill>
               </a:rPr>
-              <a:t>Recap: </a:t>
-            </a:r>
+              <a:t>Recap: Inheritance</a:t>
+            </a:r>
+          </a:p>
+          <a:p>
             <a:r>
               <a:rPr lang="en-US" sz="3600" dirty="0" smtClean="0">
                 <a:solidFill>
@@ -24080,7 +23997,17 @@
                   </a:schemeClr>
                 </a:solidFill>
               </a:rPr>
-              <a:t>Inheritance</a:t>
+              <a:t>Extending </a:t>
+            </a:r>
+            <a:r>
+              <a:rPr lang="en-US" sz="3600" dirty="0" err="1" smtClean="0">
+                <a:solidFill>
+                  <a:schemeClr val="bg1">
+                    <a:lumMod val="75000"/>
+                  </a:schemeClr>
+                </a:solidFill>
+              </a:rPr>
+              <a:t>GCanvas</a:t>
             </a:r>
             <a:endParaRPr lang="en-US" sz="3600" dirty="0" smtClean="0">
               <a:solidFill>
@@ -24092,61 +24019,25 @@
           </a:p>
           <a:p>
             <a:r>
-              <a:rPr lang="en-US" sz="3600" dirty="0" smtClean="0">
+              <a:rPr lang="en-US" sz="3600" i="1" dirty="0" smtClean="0">
                 <a:solidFill>
                   <a:schemeClr val="bg1">
                     <a:lumMod val="75000"/>
                   </a:schemeClr>
                 </a:solidFill>
               </a:rPr>
-              <a:t>Extending </a:t>
-            </a:r>
-            <a:r>
-              <a:rPr lang="en-US" sz="3600" dirty="0" err="1" smtClean="0">
+              <a:t>Example</a:t>
+            </a:r>
+            <a:r>
+              <a:rPr lang="en-US" sz="3600" dirty="0" smtClean="0">
                 <a:solidFill>
                   <a:schemeClr val="bg1">
                     <a:lumMod val="75000"/>
                   </a:schemeClr>
                 </a:solidFill>
               </a:rPr>
-              <a:t>GCanvas</a:t>
-            </a:r>
-            <a:endParaRPr lang="en-US" sz="3600" dirty="0" smtClean="0">
-              <a:solidFill>
-                <a:schemeClr val="bg1">
-                  <a:lumMod val="75000"/>
-                </a:schemeClr>
-              </a:solidFill>
-            </a:endParaRPr>
-          </a:p>
-          <a:p>
-            <a:r>
-              <a:rPr lang="en-US" sz="3600" i="1" dirty="0" smtClean="0">
-                <a:solidFill>
-                  <a:schemeClr val="bg1">
-                    <a:lumMod val="75000"/>
-                  </a:schemeClr>
-                </a:solidFill>
-              </a:rPr>
-              <a:t>Example</a:t>
-            </a:r>
-            <a:r>
-              <a:rPr lang="en-US" sz="3600" dirty="0" smtClean="0">
-                <a:solidFill>
-                  <a:schemeClr val="bg1">
-                    <a:lumMod val="75000"/>
-                  </a:schemeClr>
-                </a:solidFill>
-              </a:rPr>
               <a:t>: Aquarium</a:t>
             </a:r>
-            <a:endParaRPr lang="en-US" sz="3600" dirty="0" smtClean="0">
-              <a:solidFill>
-                <a:schemeClr val="bg1">
-                  <a:lumMod val="75000"/>
-                </a:schemeClr>
-              </a:solidFill>
-            </a:endParaRPr>
           </a:p>
           <a:p>
             <a:r>
@@ -24988,8 +24879,10 @@
                   </a:schemeClr>
                 </a:solidFill>
               </a:rPr>
-              <a:t>Recap: </a:t>
-            </a:r>
+              <a:t>Recap: Inheritance</a:t>
+            </a:r>
+          </a:p>
+          <a:p>
             <a:r>
               <a:rPr lang="en-US" sz="3600" dirty="0" smtClean="0">
                 <a:solidFill>
@@ -24998,7 +24891,17 @@
                   </a:schemeClr>
                 </a:solidFill>
               </a:rPr>
-              <a:t>Inheritance</a:t>
+              <a:t>Extending </a:t>
+            </a:r>
+            <a:r>
+              <a:rPr lang="en-US" sz="3600" dirty="0" err="1" smtClean="0">
+                <a:solidFill>
+                  <a:schemeClr val="bg1">
+                    <a:lumMod val="75000"/>
+                  </a:schemeClr>
+                </a:solidFill>
+              </a:rPr>
+              <a:t>GCanvas</a:t>
             </a:r>
             <a:endParaRPr lang="en-US" sz="3600" dirty="0" smtClean="0">
               <a:solidFill>
@@ -25010,61 +24913,25 @@
           </a:p>
           <a:p>
             <a:r>
-              <a:rPr lang="en-US" sz="3600" dirty="0" smtClean="0">
+              <a:rPr lang="en-US" sz="3600" i="1" dirty="0" smtClean="0">
                 <a:solidFill>
                   <a:schemeClr val="bg1">
                     <a:lumMod val="75000"/>
                   </a:schemeClr>
                 </a:solidFill>
               </a:rPr>
-              <a:t>Extending </a:t>
-            </a:r>
-            <a:r>
-              <a:rPr lang="en-US" sz="3600" dirty="0" err="1" smtClean="0">
+              <a:t>Example</a:t>
+            </a:r>
+            <a:r>
+              <a:rPr lang="en-US" sz="3600" dirty="0" smtClean="0">
                 <a:solidFill>
                   <a:schemeClr val="bg1">
                     <a:lumMod val="75000"/>
                   </a:schemeClr>
                 </a:solidFill>
               </a:rPr>
-              <a:t>GCanvas</a:t>
-            </a:r>
-            <a:endParaRPr lang="en-US" sz="3600" dirty="0" smtClean="0">
-              <a:solidFill>
-                <a:schemeClr val="bg1">
-                  <a:lumMod val="75000"/>
-                </a:schemeClr>
-              </a:solidFill>
-            </a:endParaRPr>
-          </a:p>
-          <a:p>
-            <a:r>
-              <a:rPr lang="en-US" sz="3600" i="1" dirty="0" smtClean="0">
-                <a:solidFill>
-                  <a:schemeClr val="bg1">
-                    <a:lumMod val="75000"/>
-                  </a:schemeClr>
-                </a:solidFill>
-              </a:rPr>
-              <a:t>Example</a:t>
-            </a:r>
-            <a:r>
-              <a:rPr lang="en-US" sz="3600" dirty="0" smtClean="0">
-                <a:solidFill>
-                  <a:schemeClr val="bg1">
-                    <a:lumMod val="75000"/>
-                  </a:schemeClr>
-                </a:solidFill>
-              </a:rPr>
               <a:t>: Aquarium</a:t>
             </a:r>
-            <a:endParaRPr lang="en-US" sz="3600" dirty="0" smtClean="0">
-              <a:solidFill>
-                <a:schemeClr val="bg1">
-                  <a:lumMod val="75000"/>
-                </a:schemeClr>
-              </a:solidFill>
-            </a:endParaRPr>
           </a:p>
           <a:p>
             <a:r>
@@ -30741,8 +30608,10 @@
                   </a:schemeClr>
                 </a:solidFill>
               </a:rPr>
-              <a:t>Recap: </a:t>
-            </a:r>
+              <a:t>Recap: Inheritance</a:t>
+            </a:r>
+          </a:p>
+          <a:p>
             <a:r>
               <a:rPr lang="en-US" sz="3600" dirty="0" smtClean="0">
                 <a:solidFill>
@@ -30751,7 +30620,17 @@
                   </a:schemeClr>
                 </a:solidFill>
               </a:rPr>
-              <a:t>Inheritance</a:t>
+              <a:t>Extending </a:t>
+            </a:r>
+            <a:r>
+              <a:rPr lang="en-US" sz="3600" dirty="0" err="1" smtClean="0">
+                <a:solidFill>
+                  <a:schemeClr val="bg1">
+                    <a:lumMod val="75000"/>
+                  </a:schemeClr>
+                </a:solidFill>
+              </a:rPr>
+              <a:t>GCanvas</a:t>
             </a:r>
             <a:endParaRPr lang="en-US" sz="3600" dirty="0" smtClean="0">
               <a:solidFill>
@@ -30763,61 +30642,25 @@
           </a:p>
           <a:p>
             <a:r>
-              <a:rPr lang="en-US" sz="3600" dirty="0" smtClean="0">
+              <a:rPr lang="en-US" sz="3600" i="1" dirty="0" smtClean="0">
                 <a:solidFill>
                   <a:schemeClr val="bg1">
                     <a:lumMod val="75000"/>
                   </a:schemeClr>
                 </a:solidFill>
               </a:rPr>
-              <a:t>Extending </a:t>
-            </a:r>
-            <a:r>
-              <a:rPr lang="en-US" sz="3600" dirty="0" err="1" smtClean="0">
+              <a:t>Example</a:t>
+            </a:r>
+            <a:r>
+              <a:rPr lang="en-US" sz="3600" dirty="0" smtClean="0">
                 <a:solidFill>
                   <a:schemeClr val="bg1">
                     <a:lumMod val="75000"/>
                   </a:schemeClr>
                 </a:solidFill>
               </a:rPr>
-              <a:t>GCanvas</a:t>
-            </a:r>
-            <a:endParaRPr lang="en-US" sz="3600" dirty="0" smtClean="0">
-              <a:solidFill>
-                <a:schemeClr val="bg1">
-                  <a:lumMod val="75000"/>
-                </a:schemeClr>
-              </a:solidFill>
-            </a:endParaRPr>
-          </a:p>
-          <a:p>
-            <a:r>
-              <a:rPr lang="en-US" sz="3600" i="1" dirty="0" smtClean="0">
-                <a:solidFill>
-                  <a:schemeClr val="bg1">
-                    <a:lumMod val="75000"/>
-                  </a:schemeClr>
-                </a:solidFill>
-              </a:rPr>
-              <a:t>Example</a:t>
-            </a:r>
-            <a:r>
-              <a:rPr lang="en-US" sz="3600" dirty="0" smtClean="0">
-                <a:solidFill>
-                  <a:schemeClr val="bg1">
-                    <a:lumMod val="75000"/>
-                  </a:schemeClr>
-                </a:solidFill>
-              </a:rPr>
               <a:t>: Aquarium</a:t>
             </a:r>
-            <a:endParaRPr lang="en-US" sz="3600" dirty="0" smtClean="0">
-              <a:solidFill>
-                <a:schemeClr val="bg1">
-                  <a:lumMod val="75000"/>
-                </a:schemeClr>
-              </a:solidFill>
-            </a:endParaRPr>
           </a:p>
           <a:p>
             <a:r>
@@ -31337,13 +31180,8 @@
           <a:p>
             <a:r>
               <a:rPr lang="en-US" sz="3600" dirty="0" smtClean="0"/>
-              <a:t>Recap: </a:t>
-            </a:r>
-            <a:r>
-              <a:rPr lang="en-US" sz="3600" dirty="0" smtClean="0"/>
-              <a:t>Inheritance</a:t>
-            </a:r>
-            <a:endParaRPr lang="en-US" sz="3600" dirty="0" smtClean="0"/>
+              <a:t>Recap: Inheritance</a:t>
+            </a:r>
           </a:p>
           <a:p>
             <a:r>
@@ -31365,7 +31203,6 @@
               <a:rPr lang="en-US" sz="3600" dirty="0" smtClean="0"/>
               <a:t>: Aquarium</a:t>
             </a:r>
-            <a:endParaRPr lang="en-US" sz="3600" dirty="0" smtClean="0"/>
           </a:p>
           <a:p>
             <a:r>
@@ -31941,11 +31778,6 @@
               </a:rPr>
               <a:t>	...</a:t>
             </a:r>
-            <a:endParaRPr lang="en-US" dirty="0" smtClean="0">
-              <a:latin typeface="Consolas" charset="0"/>
-              <a:ea typeface="Consolas" charset="0"/>
-              <a:cs typeface="Consolas" charset="0"/>
-            </a:endParaRPr>
           </a:p>
           <a:p>
             <a:pPr marL="0" indent="0">
@@ -32875,65 +32707,41 @@
                   </a:schemeClr>
                 </a:solidFill>
               </a:rPr>
-              <a:t>Recap: </a:t>
-            </a:r>
-            <a:r>
-              <a:rPr lang="en-US" sz="3600" dirty="0" smtClean="0">
+              <a:t>Recap: Inheritance</a:t>
+            </a:r>
+          </a:p>
+          <a:p>
+            <a:r>
+              <a:rPr lang="en-US" sz="3600" dirty="0" smtClean="0"/>
+              <a:t>Extending </a:t>
+            </a:r>
+            <a:r>
+              <a:rPr lang="en-US" sz="3600" dirty="0" err="1" smtClean="0"/>
+              <a:t>GCanvas</a:t>
+            </a:r>
+            <a:endParaRPr lang="en-US" sz="3600" dirty="0" smtClean="0"/>
+          </a:p>
+          <a:p>
+            <a:r>
+              <a:rPr lang="en-US" sz="3600" i="1" dirty="0" smtClean="0">
                 <a:solidFill>
                   <a:schemeClr val="bg1">
                     <a:lumMod val="75000"/>
                   </a:schemeClr>
                 </a:solidFill>
               </a:rPr>
-              <a:t>Inheritance</a:t>
-            </a:r>
-            <a:endParaRPr lang="en-US" sz="3600" dirty="0" smtClean="0">
-              <a:solidFill>
-                <a:schemeClr val="bg1">
-                  <a:lumMod val="75000"/>
-                </a:schemeClr>
-              </a:solidFill>
-            </a:endParaRPr>
-          </a:p>
-          <a:p>
-            <a:r>
-              <a:rPr lang="en-US" sz="3600" dirty="0" smtClean="0"/>
-              <a:t>Extending </a:t>
-            </a:r>
-            <a:r>
-              <a:rPr lang="en-US" sz="3600" dirty="0" err="1" smtClean="0"/>
-              <a:t>GCanvas</a:t>
-            </a:r>
-            <a:endParaRPr lang="en-US" sz="3600" dirty="0" smtClean="0"/>
-          </a:p>
-          <a:p>
-            <a:r>
-              <a:rPr lang="en-US" sz="3600" i="1" dirty="0" smtClean="0">
+              <a:t>Example</a:t>
+            </a:r>
+            <a:r>
+              <a:rPr lang="en-US" sz="3600" dirty="0" smtClean="0">
                 <a:solidFill>
                   <a:schemeClr val="bg1">
                     <a:lumMod val="75000"/>
                   </a:schemeClr>
                 </a:solidFill>
               </a:rPr>
-              <a:t>Example</a:t>
-            </a:r>
-            <a:r>
-              <a:rPr lang="en-US" sz="3600" dirty="0" smtClean="0">
-                <a:solidFill>
-                  <a:schemeClr val="bg1">
-                    <a:lumMod val="75000"/>
-                  </a:schemeClr>
-                </a:solidFill>
-              </a:rPr>
               <a:t>: Aquarium</a:t>
             </a:r>
-            <a:endParaRPr lang="en-US" sz="3600" dirty="0" smtClean="0">
-              <a:solidFill>
-                <a:schemeClr val="bg1">
-                  <a:lumMod val="75000"/>
-                </a:schemeClr>
-              </a:solidFill>
-            </a:endParaRPr>
           </a:p>
           <a:p>
             <a:r>
